--- a/presentation.pptx
+++ b/presentation.pptx
@@ -297,7 +297,7 @@
           <a:p>
             <a:fld id="{E83099B7-7957-47B8-BAB4-413AB115181E}" type="datetimeFigureOut">
               <a:rPr lang="en-US" smtClean="0"/>
-              <a:t>1/5/2020</a:t>
+              <a:t>1/6/2020</a:t>
             </a:fld>
             <a:endParaRPr lang="en-US"/>
           </a:p>
@@ -467,7 +467,7 @@
           <a:p>
             <a:fld id="{E83099B7-7957-47B8-BAB4-413AB115181E}" type="datetimeFigureOut">
               <a:rPr lang="en-US" smtClean="0"/>
-              <a:t>1/5/2020</a:t>
+              <a:t>1/6/2020</a:t>
             </a:fld>
             <a:endParaRPr lang="en-US"/>
           </a:p>
@@ -647,7 +647,7 @@
           <a:p>
             <a:fld id="{E83099B7-7957-47B8-BAB4-413AB115181E}" type="datetimeFigureOut">
               <a:rPr lang="en-US" smtClean="0"/>
-              <a:t>1/5/2020</a:t>
+              <a:t>1/6/2020</a:t>
             </a:fld>
             <a:endParaRPr lang="en-US"/>
           </a:p>
@@ -817,7 +817,7 @@
           <a:p>
             <a:fld id="{E83099B7-7957-47B8-BAB4-413AB115181E}" type="datetimeFigureOut">
               <a:rPr lang="en-US" smtClean="0"/>
-              <a:t>1/5/2020</a:t>
+              <a:t>1/6/2020</a:t>
             </a:fld>
             <a:endParaRPr lang="en-US"/>
           </a:p>
@@ -1063,7 +1063,7 @@
           <a:p>
             <a:fld id="{E83099B7-7957-47B8-BAB4-413AB115181E}" type="datetimeFigureOut">
               <a:rPr lang="en-US" smtClean="0"/>
-              <a:t>1/5/2020</a:t>
+              <a:t>1/6/2020</a:t>
             </a:fld>
             <a:endParaRPr lang="en-US"/>
           </a:p>
@@ -1351,7 +1351,7 @@
           <a:p>
             <a:fld id="{E83099B7-7957-47B8-BAB4-413AB115181E}" type="datetimeFigureOut">
               <a:rPr lang="en-US" smtClean="0"/>
-              <a:t>1/5/2020</a:t>
+              <a:t>1/6/2020</a:t>
             </a:fld>
             <a:endParaRPr lang="en-US"/>
           </a:p>
@@ -1773,7 +1773,7 @@
           <a:p>
             <a:fld id="{E83099B7-7957-47B8-BAB4-413AB115181E}" type="datetimeFigureOut">
               <a:rPr lang="en-US" smtClean="0"/>
-              <a:t>1/5/2020</a:t>
+              <a:t>1/6/2020</a:t>
             </a:fld>
             <a:endParaRPr lang="en-US"/>
           </a:p>
@@ -1891,7 +1891,7 @@
           <a:p>
             <a:fld id="{E83099B7-7957-47B8-BAB4-413AB115181E}" type="datetimeFigureOut">
               <a:rPr lang="en-US" smtClean="0"/>
-              <a:t>1/5/2020</a:t>
+              <a:t>1/6/2020</a:t>
             </a:fld>
             <a:endParaRPr lang="en-US"/>
           </a:p>
@@ -1986,7 +1986,7 @@
           <a:p>
             <a:fld id="{E83099B7-7957-47B8-BAB4-413AB115181E}" type="datetimeFigureOut">
               <a:rPr lang="en-US" smtClean="0"/>
-              <a:t>1/5/2020</a:t>
+              <a:t>1/6/2020</a:t>
             </a:fld>
             <a:endParaRPr lang="en-US"/>
           </a:p>
@@ -2263,7 +2263,7 @@
           <a:p>
             <a:fld id="{E83099B7-7957-47B8-BAB4-413AB115181E}" type="datetimeFigureOut">
               <a:rPr lang="en-US" smtClean="0"/>
-              <a:t>1/5/2020</a:t>
+              <a:t>1/6/2020</a:t>
             </a:fld>
             <a:endParaRPr lang="en-US"/>
           </a:p>
@@ -2516,7 +2516,7 @@
           <a:p>
             <a:fld id="{E83099B7-7957-47B8-BAB4-413AB115181E}" type="datetimeFigureOut">
               <a:rPr lang="en-US" smtClean="0"/>
-              <a:t>1/5/2020</a:t>
+              <a:t>1/6/2020</a:t>
             </a:fld>
             <a:endParaRPr lang="en-US"/>
           </a:p>
@@ -2729,7 +2729,7 @@
           <a:p>
             <a:fld id="{E83099B7-7957-47B8-BAB4-413AB115181E}" type="datetimeFigureOut">
               <a:rPr lang="en-US" smtClean="0"/>
-              <a:t>1/5/2020</a:t>
+              <a:t>1/6/2020</a:t>
             </a:fld>
             <a:endParaRPr lang="en-US"/>
           </a:p>
@@ -4232,7 +4232,7 @@
         <p:spPr>
           <a:xfrm>
             <a:off x="457200" y="1371600"/>
-            <a:ext cx="4800600" cy="4754563"/>
+            <a:ext cx="4800600" cy="5181600"/>
           </a:xfrm>
           <a:prstGeom prst="rect">
             <a:avLst/>
@@ -4240,7 +4240,7 @@
         </p:spPr>
         <p:txBody>
           <a:bodyPr vert="horz" lIns="91440" tIns="45720" rIns="91440" bIns="45720" rtlCol="0">
-            <a:normAutofit/>
+            <a:normAutofit lnSpcReduction="10000"/>
           </a:bodyPr>
           <a:lstStyle>
             <a:lvl1pPr marL="342900" indent="-342900" algn="l" defTabSz="914400" rtl="0" eaLnBrk="1" latinLnBrk="0" hangingPunct="1">
@@ -4415,15 +4415,48 @@
           <a:p>
             <a:r>
               <a:rPr lang="en-US" sz="2200" dirty="0" smtClean="0"/>
-              <a:t>Precision recall curve</a:t>
+              <a:t>Precision recall </a:t>
+            </a:r>
+            <a:r>
+              <a:rPr lang="en-US" sz="2200" dirty="0" smtClean="0"/>
+              <a:t>curve</a:t>
             </a:r>
           </a:p>
           <a:p>
             <a:pPr lvl="1"/>
             <a:r>
+              <a:rPr lang="en-US" sz="1800" dirty="0"/>
+              <a:t>When TP rate is 0.6, only ~45% chance it’s predicting </a:t>
+            </a:r>
+            <a:r>
               <a:rPr lang="en-US" sz="1800" dirty="0" smtClean="0"/>
-              <a:t>When TP rate is 0.6, only ~45% chance it’s predicting correctly</a:t>
-            </a:r>
+              <a:t>correctly</a:t>
+            </a:r>
+            <a:endParaRPr lang="en-US" sz="1800" dirty="0" smtClean="0"/>
+          </a:p>
+          <a:p>
+            <a:r>
+              <a:rPr lang="en-US" sz="2200" dirty="0" smtClean="0"/>
+              <a:t>Business impact</a:t>
+            </a:r>
+          </a:p>
+          <a:p>
+            <a:pPr lvl="1"/>
+            <a:r>
+              <a:rPr lang="en-US" sz="1800" dirty="0" smtClean="0"/>
+              <a:t>Model is good at capturing True Positive</a:t>
+            </a:r>
+          </a:p>
+          <a:p>
+            <a:pPr lvl="1"/>
+            <a:r>
+              <a:rPr lang="en-US" sz="1800" dirty="0" smtClean="0"/>
+              <a:t>Recommend this model to focus on risk control</a:t>
+            </a:r>
+            <a:endParaRPr lang="en-US" sz="1800" dirty="0" smtClean="0"/>
+          </a:p>
+          <a:p>
+            <a:endParaRPr lang="en-US" sz="2200" dirty="0" smtClean="0"/>
           </a:p>
           <a:p>
             <a:pPr lvl="1"/>
